--- a/Presentations/ML Regression - Splitting Datasets.pptx
+++ b/Presentations/ML Regression - Splitting Datasets.pptx
@@ -297,7 +297,7 @@
             <a:fld id="{1D8BD707-D9CF-40AE-B4C6-C98DA3205C09}" type="datetimeFigureOut">
               <a:rPr lang="en-US" smtClean="0"/>
               <a:pPr/>
-              <a:t>7/8/2017</a:t>
+              <a:t>11/11/2017</a:t>
             </a:fld>
             <a:endParaRPr lang="en-US"/>
           </a:p>
@@ -464,7 +464,7 @@
             <a:fld id="{1D8BD707-D9CF-40AE-B4C6-C98DA3205C09}" type="datetimeFigureOut">
               <a:rPr lang="en-US" smtClean="0"/>
               <a:pPr/>
-              <a:t>7/8/2017</a:t>
+              <a:t>11/11/2017</a:t>
             </a:fld>
             <a:endParaRPr lang="en-US"/>
           </a:p>
@@ -641,7 +641,7 @@
             <a:fld id="{1D8BD707-D9CF-40AE-B4C6-C98DA3205C09}" type="datetimeFigureOut">
               <a:rPr lang="en-US" smtClean="0"/>
               <a:pPr/>
-              <a:t>7/8/2017</a:t>
+              <a:t>11/11/2017</a:t>
             </a:fld>
             <a:endParaRPr lang="en-US"/>
           </a:p>
@@ -808,7 +808,7 @@
             <a:fld id="{1D8BD707-D9CF-40AE-B4C6-C98DA3205C09}" type="datetimeFigureOut">
               <a:rPr lang="en-US" smtClean="0"/>
               <a:pPr/>
-              <a:t>7/8/2017</a:t>
+              <a:t>11/11/2017</a:t>
             </a:fld>
             <a:endParaRPr lang="en-US"/>
           </a:p>
@@ -1051,7 +1051,7 @@
             <a:fld id="{1D8BD707-D9CF-40AE-B4C6-C98DA3205C09}" type="datetimeFigureOut">
               <a:rPr lang="en-US" smtClean="0"/>
               <a:pPr/>
-              <a:t>7/8/2017</a:t>
+              <a:t>11/11/2017</a:t>
             </a:fld>
             <a:endParaRPr lang="en-US"/>
           </a:p>
@@ -1336,7 +1336,7 @@
             <a:fld id="{1D8BD707-D9CF-40AE-B4C6-C98DA3205C09}" type="datetimeFigureOut">
               <a:rPr lang="en-US" smtClean="0"/>
               <a:pPr/>
-              <a:t>7/8/2017</a:t>
+              <a:t>11/11/2017</a:t>
             </a:fld>
             <a:endParaRPr lang="en-US"/>
           </a:p>
@@ -1755,7 +1755,7 @@
             <a:fld id="{1D8BD707-D9CF-40AE-B4C6-C98DA3205C09}" type="datetimeFigureOut">
               <a:rPr lang="en-US" smtClean="0"/>
               <a:pPr/>
-              <a:t>7/8/2017</a:t>
+              <a:t>11/11/2017</a:t>
             </a:fld>
             <a:endParaRPr lang="en-US"/>
           </a:p>
@@ -1870,7 +1870,7 @@
             <a:fld id="{1D8BD707-D9CF-40AE-B4C6-C98DA3205C09}" type="datetimeFigureOut">
               <a:rPr lang="en-US" smtClean="0"/>
               <a:pPr/>
-              <a:t>7/8/2017</a:t>
+              <a:t>11/11/2017</a:t>
             </a:fld>
             <a:endParaRPr lang="en-US"/>
           </a:p>
@@ -1962,7 +1962,7 @@
             <a:fld id="{1D8BD707-D9CF-40AE-B4C6-C98DA3205C09}" type="datetimeFigureOut">
               <a:rPr lang="en-US" smtClean="0"/>
               <a:pPr/>
-              <a:t>7/8/2017</a:t>
+              <a:t>11/11/2017</a:t>
             </a:fld>
             <a:endParaRPr lang="en-US"/>
           </a:p>
@@ -2236,7 +2236,7 @@
             <a:fld id="{1D8BD707-D9CF-40AE-B4C6-C98DA3205C09}" type="datetimeFigureOut">
               <a:rPr lang="en-US" smtClean="0"/>
               <a:pPr/>
-              <a:t>7/8/2017</a:t>
+              <a:t>11/11/2017</a:t>
             </a:fld>
             <a:endParaRPr lang="en-US"/>
           </a:p>
@@ -2486,7 +2486,7 @@
             <a:fld id="{1D8BD707-D9CF-40AE-B4C6-C98DA3205C09}" type="datetimeFigureOut">
               <a:rPr lang="en-US" smtClean="0"/>
               <a:pPr/>
-              <a:t>7/8/2017</a:t>
+              <a:t>11/11/2017</a:t>
             </a:fld>
             <a:endParaRPr lang="en-US"/>
           </a:p>
@@ -2696,7 +2696,7 @@
             <a:fld id="{1D8BD707-D9CF-40AE-B4C6-C98DA3205C09}" type="datetimeFigureOut">
               <a:rPr lang="en-US" smtClean="0"/>
               <a:pPr/>
-              <a:t>7/8/2017</a:t>
+              <a:t>11/11/2017</a:t>
             </a:fld>
             <a:endParaRPr lang="en-US"/>
           </a:p>
@@ -3131,7 +3131,7 @@
                   </a:schemeClr>
                 </a:solidFill>
               </a:rPr>
-              <a:t>Portland Data Science </a:t>
+              <a:t>Artificial Intelligence Training</a:t>
             </a:r>
             <a:r>
               <a:rPr lang="en-US" sz="2400" dirty="0">
@@ -3141,7 +3141,7 @@
                   </a:schemeClr>
                 </a:solidFill>
               </a:rPr>
-              <a:t>Group</a:t>
+              <a:t/>
             </a:r>
             <a:br>
               <a:rPr lang="en-US" sz="2400" dirty="0">
@@ -3173,7 +3173,7 @@
               <a:t>Ferlitsch</a:t>
             </a:r>
             <a:r>
-              <a:rPr lang="en-US" sz="2400" dirty="0">
+              <a:rPr lang="en-US" sz="2400">
                 <a:solidFill>
                   <a:schemeClr val="accent1">
                     <a:lumMod val="75000"/>
@@ -3183,7 +3183,7 @@
               <a:t/>
             </a:r>
             <a:br>
-              <a:rPr lang="en-US" sz="2400" dirty="0">
+              <a:rPr lang="en-US" sz="2400">
                 <a:solidFill>
                   <a:schemeClr val="accent1">
                     <a:lumMod val="75000"/>
@@ -3192,35 +3192,24 @@
               </a:rPr>
             </a:br>
             <a:r>
-              <a:rPr lang="en-US" sz="2400" dirty="0">
+              <a:rPr lang="en-US" sz="2400" smtClean="0">
                 <a:solidFill>
                   <a:schemeClr val="accent1">
                     <a:lumMod val="75000"/>
                   </a:schemeClr>
                 </a:solidFill>
               </a:rPr>
-              <a:t>Community Outreach </a:t>
-            </a:r>
-            <a:r>
-              <a:rPr lang="en-US" sz="2400" dirty="0" smtClean="0">
-                <a:solidFill>
-                  <a:schemeClr val="accent1">
-                    <a:lumMod val="75000"/>
-                  </a:schemeClr>
-                </a:solidFill>
-              </a:rPr>
-              <a:t>Officer</a:t>
-            </a:r>
-            <a:r>
-              <a:rPr lang="en-US" sz="2400" dirty="0" smtClean="0"/>
-              <a:t/>
-            </a:r>
-            <a:br>
-              <a:rPr lang="en-US" sz="2400" dirty="0" smtClean="0"/>
-            </a:br>
+              <a:t>Instructor</a:t>
+            </a:r>
+          </a:p>
+          <a:p>
+            <a:r>
+              <a:rPr lang="en-US" sz="1800" smtClean="0"/>
+              <a:t>July</a:t>
+            </a:r>
             <a:r>
               <a:rPr lang="en-US" sz="1800" dirty="0" smtClean="0"/>
-              <a:t>July, 2017</a:t>
+              <a:t>, 2017</a:t>
             </a:r>
             <a:endParaRPr lang="en-US" sz="1800" dirty="0"/>
           </a:p>
@@ -3517,13 +3506,6 @@
               </a:rPr>
               <a:t>   first split into a training and test set. </a:t>
             </a:r>
-            <a:endParaRPr lang="en-US" sz="2800" b="1" dirty="0" smtClean="0">
-              <a:solidFill>
-                <a:schemeClr val="accent5">
-                  <a:lumMod val="75000"/>
-                </a:schemeClr>
-              </a:solidFill>
-            </a:endParaRPr>
           </a:p>
           <a:p>
             <a:endParaRPr lang="en-US" sz="2400" b="1" dirty="0" smtClean="0">
@@ -3567,17 +3549,7 @@
                   </a:schemeClr>
                 </a:solidFill>
               </a:rPr>
-              <a:t> set is used to trai</a:t>
-            </a:r>
-            <a:r>
-              <a:rPr lang="en-US" sz="2800" b="1" dirty="0" smtClean="0">
-                <a:solidFill>
-                  <a:schemeClr val="accent5">
-                    <a:lumMod val="75000"/>
-                  </a:schemeClr>
-                </a:solidFill>
-              </a:rPr>
-              <a:t>n the model.</a:t>
+              <a:t> set is used to train the model.</a:t>
             </a:r>
             <a:endParaRPr lang="en-US" sz="2800" b="1" dirty="0">
               <a:solidFill>
@@ -6314,13 +6286,6 @@
               </a:rPr>
               <a:t>. To prevent overfitting, there</a:t>
             </a:r>
-            <a:endParaRPr lang="en-US" sz="2800" b="1" dirty="0" smtClean="0">
-              <a:solidFill>
-                <a:schemeClr val="accent5">
-                  <a:lumMod val="75000"/>
-                </a:schemeClr>
-              </a:solidFill>
-            </a:endParaRPr>
           </a:p>
           <a:p>
             <a:r>
@@ -6365,13 +6330,6 @@
               </a:rPr>
               <a:t>   for each classification, or range if label is a real value.</a:t>
             </a:r>
-            <a:endParaRPr lang="en-US" sz="2800" b="1" dirty="0" smtClean="0">
-              <a:solidFill>
-                <a:schemeClr val="accent5">
-                  <a:lumMod val="75000"/>
-                </a:schemeClr>
-              </a:solidFill>
-            </a:endParaRPr>
           </a:p>
         </p:txBody>
       </p:sp>
@@ -6526,10 +6484,6 @@
               <a:rPr lang="en-US" dirty="0" smtClean="0"/>
               <a:t>Training</a:t>
             </a:r>
-            <a:r>
-              <a:rPr lang="en-US" dirty="0" smtClean="0"/>
-              <a:t/>
-            </a:r>
             <a:br>
               <a:rPr lang="en-US" dirty="0" smtClean="0"/>
             </a:br>
@@ -6556,11 +6510,7 @@
             </a:br>
             <a:r>
               <a:rPr lang="en-US" dirty="0" smtClean="0"/>
-              <a:t>Pear</a:t>
-            </a:r>
-            <a:r>
-              <a:rPr lang="en-US" dirty="0" smtClean="0"/>
-              <a:t>)</a:t>
+              <a:t>Pear)</a:t>
             </a:r>
             <a:endParaRPr lang="en-US" dirty="0"/>
           </a:p>
@@ -8095,10 +8045,6 @@
               <a:rPr lang="en-US" sz="1600" dirty="0" smtClean="0"/>
               <a:t>Predict</a:t>
             </a:r>
-            <a:r>
-              <a:rPr lang="en-US" sz="1600" dirty="0" smtClean="0"/>
-              <a:t/>
-            </a:r>
             <a:br>
               <a:rPr lang="en-US" sz="1600" dirty="0" smtClean="0"/>
             </a:br>
@@ -8593,7 +8539,6 @@
               <a:rPr lang="en-US" sz="1600" dirty="0" smtClean="0"/>
               <a:t>method to improve accuracy</a:t>
             </a:r>
-            <a:endParaRPr lang="en-US" sz="1600" dirty="0" smtClean="0"/>
           </a:p>
         </p:txBody>
       </p:sp>
